--- a/docs/Presentation.pptx
+++ b/docs/Presentation.pptx
@@ -5,12 +5,13 @@
     <p:sldMasterId id="2147483696" r:id="rId1"/>
   </p:sldMasterIdLst>
   <p:notesMasterIdLst>
-    <p:notesMasterId r:id="rId5"/>
+    <p:notesMasterId r:id="rId6"/>
   </p:notesMasterIdLst>
   <p:sldIdLst>
     <p:sldId id="256" r:id="rId2"/>
     <p:sldId id="257" r:id="rId3"/>
     <p:sldId id="258" r:id="rId4"/>
+    <p:sldId id="259" r:id="rId5"/>
   </p:sldIdLst>
   <p:sldSz cx="12192000" cy="6858000"/>
   <p:notesSz cx="6858000" cy="9144000"/>
@@ -109,6 +110,11 @@
       </a:defRPr>
     </a:lvl9pPr>
   </p:defaultTextStyle>
+  <p:extLst>
+    <p:ext uri="{EFAFB233-063F-42B5-8137-9DF3F51BA10A}">
+      <p15:sldGuideLst xmlns:p15="http://schemas.microsoft.com/office/powerpoint/2012/main"/>
+    </p:ext>
+  </p:extLst>
 </p:presentation>
 </file>
 
@@ -635,6 +641,90 @@
     <p:extLst>
       <p:ext uri="{BB962C8B-B14F-4D97-AF65-F5344CB8AC3E}">
         <p14:creationId xmlns:p14="http://schemas.microsoft.com/office/powerpoint/2010/main" val="3948485208"/>
+      </p:ext>
+    </p:extLst>
+  </p:cSld>
+  <p:clrMapOvr>
+    <a:masterClrMapping/>
+  </p:clrMapOvr>
+</p:notes>
+</file>
+
+<file path=ppt/notesSlides/notesSlide2.xml><?xml version="1.0" encoding="utf-8"?>
+<p:notes xmlns:a="http://schemas.openxmlformats.org/drawingml/2006/main" xmlns:r="http://schemas.openxmlformats.org/officeDocument/2006/relationships" xmlns:p="http://schemas.openxmlformats.org/presentationml/2006/main">
+  <p:cSld>
+    <p:spTree>
+      <p:nvGrpSpPr>
+        <p:cNvPr id="1" name=""/>
+        <p:cNvGrpSpPr/>
+        <p:nvPr/>
+      </p:nvGrpSpPr>
+      <p:grpSpPr>
+        <a:xfrm>
+          <a:off x="0" y="0"/>
+          <a:ext cx="0" cy="0"/>
+          <a:chOff x="0" y="0"/>
+          <a:chExt cx="0" cy="0"/>
+        </a:xfrm>
+      </p:grpSpPr>
+      <p:sp>
+        <p:nvSpPr>
+          <p:cNvPr id="2" name="Slide Image Placeholder 1"/>
+          <p:cNvSpPr>
+            <a:spLocks noGrp="1" noRot="1" noChangeAspect="1"/>
+          </p:cNvSpPr>
+          <p:nvPr>
+            <p:ph type="sldImg"/>
+          </p:nvPr>
+        </p:nvSpPr>
+        <p:spPr/>
+      </p:sp>
+      <p:sp>
+        <p:nvSpPr>
+          <p:cNvPr id="3" name="Notes Placeholder 2"/>
+          <p:cNvSpPr>
+            <a:spLocks noGrp="1"/>
+          </p:cNvSpPr>
+          <p:nvPr>
+            <p:ph type="body" idx="1"/>
+          </p:nvPr>
+        </p:nvSpPr>
+        <p:spPr/>
+        <p:txBody>
+          <a:bodyPr/>
+          <a:lstStyle/>
+          <a:p>
+            <a:endParaRPr lang="en-US" dirty="0"/>
+          </a:p>
+        </p:txBody>
+      </p:sp>
+      <p:sp>
+        <p:nvSpPr>
+          <p:cNvPr id="4" name="Slide Number Placeholder 3"/>
+          <p:cNvSpPr>
+            <a:spLocks noGrp="1"/>
+          </p:cNvSpPr>
+          <p:nvPr>
+            <p:ph type="sldNum" sz="quarter" idx="5"/>
+          </p:nvPr>
+        </p:nvSpPr>
+        <p:spPr/>
+        <p:txBody>
+          <a:bodyPr/>
+          <a:lstStyle/>
+          <a:p>
+            <a:fld id="{0E0C6889-30E5-4E7E-99C7-D6681B337B9A}" type="slidenum">
+              <a:rPr lang="en-US" smtClean="0"/>
+              <a:t>4</a:t>
+            </a:fld>
+            <a:endParaRPr lang="en-US"/>
+          </a:p>
+        </p:txBody>
+      </p:sp>
+    </p:spTree>
+    <p:extLst>
+      <p:ext uri="{BB962C8B-B14F-4D97-AF65-F5344CB8AC3E}">
+        <p14:creationId xmlns:p14="http://schemas.microsoft.com/office/powerpoint/2010/main" val="4168205226"/>
       </p:ext>
     </p:extLst>
   </p:cSld>
@@ -8445,10 +8535,15 @@
             <p:ph idx="1"/>
           </p:nvPr>
         </p:nvSpPr>
-        <p:spPr/>
+        <p:spPr>
+          <a:xfrm>
+            <a:off x="680321" y="2336872"/>
+            <a:ext cx="9613861" cy="3916444"/>
+          </a:xfrm>
+        </p:spPr>
         <p:txBody>
           <a:bodyPr>
-            <a:normAutofit fontScale="77500" lnSpcReduction="20000"/>
+            <a:normAutofit fontScale="85000" lnSpcReduction="20000"/>
           </a:bodyPr>
           <a:lstStyle/>
           <a:p>
@@ -8588,6 +8683,285 @@
     <p:extLst>
       <p:ext uri="{BB962C8B-B14F-4D97-AF65-F5344CB8AC3E}">
         <p14:creationId xmlns:p14="http://schemas.microsoft.com/office/powerpoint/2010/main" val="1663371812"/>
+      </p:ext>
+    </p:extLst>
+  </p:cSld>
+  <p:clrMapOvr>
+    <a:masterClrMapping/>
+  </p:clrMapOvr>
+</p:sld>
+</file>
+
+<file path=ppt/slides/slide4.xml><?xml version="1.0" encoding="utf-8"?>
+<p:sld xmlns:a="http://schemas.openxmlformats.org/drawingml/2006/main" xmlns:r="http://schemas.openxmlformats.org/officeDocument/2006/relationships" xmlns:p="http://schemas.openxmlformats.org/presentationml/2006/main">
+  <p:cSld>
+    <p:bg>
+      <p:bgPr>
+        <a:gradFill rotWithShape="1">
+          <a:gsLst>
+            <a:gs pos="0">
+              <a:schemeClr val="bg2">
+                <a:tint val="96000"/>
+                <a:shade val="100000"/>
+                <a:hueMod val="270000"/>
+                <a:satMod val="200000"/>
+                <a:lumMod val="128000"/>
+              </a:schemeClr>
+            </a:gs>
+            <a:gs pos="50000">
+              <a:schemeClr val="bg2">
+                <a:shade val="100000"/>
+                <a:hueMod val="100000"/>
+                <a:satMod val="110000"/>
+                <a:lumMod val="130000"/>
+              </a:schemeClr>
+            </a:gs>
+            <a:gs pos="100000">
+              <a:schemeClr val="bg2">
+                <a:shade val="78000"/>
+                <a:hueMod val="44000"/>
+                <a:satMod val="200000"/>
+                <a:lumMod val="69000"/>
+              </a:schemeClr>
+            </a:gs>
+          </a:gsLst>
+          <a:lin ang="2520000" scaled="0"/>
+        </a:gradFill>
+        <a:effectLst/>
+      </p:bgPr>
+    </p:bg>
+    <p:spTree>
+      <p:nvGrpSpPr>
+        <p:cNvPr id="1" name=""/>
+        <p:cNvGrpSpPr/>
+        <p:nvPr/>
+      </p:nvGrpSpPr>
+      <p:grpSpPr>
+        <a:xfrm>
+          <a:off x="0" y="0"/>
+          <a:ext cx="0" cy="0"/>
+          <a:chOff x="0" y="0"/>
+          <a:chExt cx="0" cy="0"/>
+        </a:xfrm>
+      </p:grpSpPr>
+      <p:sp>
+        <p:nvSpPr>
+          <p:cNvPr id="2" name="Title 1">
+            <a:extLst>
+              <a:ext uri="{FF2B5EF4-FFF2-40B4-BE49-F238E27FC236}">
+                <a16:creationId xmlns:a16="http://schemas.microsoft.com/office/drawing/2014/main" id="{A29B8304-BE90-3579-67B9-96968222F527}"/>
+              </a:ext>
+            </a:extLst>
+          </p:cNvPr>
+          <p:cNvSpPr>
+            <a:spLocks noGrp="1"/>
+          </p:cNvSpPr>
+          <p:nvPr>
+            <p:ph type="title"/>
+          </p:nvPr>
+        </p:nvSpPr>
+        <p:spPr>
+          <a:xfrm>
+            <a:off x="680321" y="753228"/>
+            <a:ext cx="9613861" cy="1080938"/>
+          </a:xfrm>
+        </p:spPr>
+        <p:txBody>
+          <a:bodyPr>
+            <a:normAutofit/>
+          </a:bodyPr>
+          <a:lstStyle/>
+          <a:p>
+            <a:r>
+              <a:rPr lang="el-GR" dirty="0"/>
+              <a:t>Χάρτης Πλοήγησης</a:t>
+            </a:r>
+            <a:endParaRPr lang="en-US" dirty="0"/>
+          </a:p>
+        </p:txBody>
+      </p:sp>
+      <p:sp>
+        <p:nvSpPr>
+          <p:cNvPr id="11" name="Content Placeholder 10">
+            <a:extLst>
+              <a:ext uri="{FF2B5EF4-FFF2-40B4-BE49-F238E27FC236}">
+                <a16:creationId xmlns:a16="http://schemas.microsoft.com/office/drawing/2014/main" id="{0B271048-8954-767D-023F-0B3D4810A209}"/>
+              </a:ext>
+            </a:extLst>
+          </p:cNvPr>
+          <p:cNvSpPr>
+            <a:spLocks noGrp="1"/>
+          </p:cNvSpPr>
+          <p:nvPr>
+            <p:ph idx="1"/>
+          </p:nvPr>
+        </p:nvSpPr>
+        <p:spPr>
+          <a:xfrm>
+            <a:off x="680322" y="2336872"/>
+            <a:ext cx="5592659" cy="4132753"/>
+          </a:xfrm>
+        </p:spPr>
+        <p:txBody>
+          <a:bodyPr>
+            <a:normAutofit fontScale="92500" lnSpcReduction="10000"/>
+          </a:bodyPr>
+          <a:lstStyle/>
+          <a:p>
+            <a:r>
+              <a:rPr lang="el-GR" sz="1800" dirty="0">
+                <a:effectLst/>
+                <a:latin typeface="Calibri" panose="020F0502020204030204" pitchFamily="34" charset="0"/>
+                <a:ea typeface="Calibri" panose="020F0502020204030204" pitchFamily="34" charset="0"/>
+                <a:cs typeface="Times New Roman" panose="02020603050405020304" pitchFamily="18" charset="0"/>
+              </a:rPr>
+              <a:t>Κάθε χρήστης  της σελίδας μπορεί να δημιουργήσει τον δικό του λογαριασμό υποβάλλοντας τα απαραίτητα στοιχεία. Μετά την εγγραφή του έχει την δυνατότητα να συνδέεται με τον προσωπικό του λογαριασμό.</a:t>
+            </a:r>
+          </a:p>
+          <a:p>
+            <a:r>
+              <a:rPr lang="el-GR" sz="1800" dirty="0">
+                <a:effectLst/>
+                <a:latin typeface="Calibri" panose="020F0502020204030204" pitchFamily="34" charset="0"/>
+                <a:ea typeface="Calibri" panose="020F0502020204030204" pitchFamily="34" charset="0"/>
+                <a:cs typeface="Times New Roman" panose="02020603050405020304" pitchFamily="18" charset="0"/>
+              </a:rPr>
+              <a:t>Ο χρήστης έχει την δυνατότητα να δημιουργήσει μια νέα αναφορά βλάβης, στην οποία παραθέτει τις λεπτομέρειες για την βλάβη καθώς και φωτογραφικό υλικό.</a:t>
+            </a:r>
+          </a:p>
+          <a:p>
+            <a:r>
+              <a:rPr lang="el-GR" sz="1800" dirty="0">
+                <a:effectLst/>
+                <a:latin typeface="Calibri" panose="020F0502020204030204" pitchFamily="34" charset="0"/>
+                <a:ea typeface="Calibri" panose="020F0502020204030204" pitchFamily="34" charset="0"/>
+                <a:cs typeface="Times New Roman" panose="02020603050405020304" pitchFamily="18" charset="0"/>
+              </a:rPr>
+              <a:t> </a:t>
+            </a:r>
+            <a:r>
+              <a:rPr lang="el-GR" sz="1800" dirty="0">
+                <a:latin typeface="Calibri" panose="020F0502020204030204" pitchFamily="34" charset="0"/>
+                <a:ea typeface="Calibri" panose="020F0502020204030204" pitchFamily="34" charset="0"/>
+                <a:cs typeface="Times New Roman" panose="02020603050405020304" pitchFamily="18" charset="0"/>
+              </a:rPr>
+              <a:t>Έ</a:t>
+            </a:r>
+            <a:r>
+              <a:rPr lang="el-GR" sz="1800" dirty="0">
+                <a:effectLst/>
+                <a:latin typeface="Calibri" panose="020F0502020204030204" pitchFamily="34" charset="0"/>
+                <a:ea typeface="Calibri" panose="020F0502020204030204" pitchFamily="34" charset="0"/>
+                <a:cs typeface="Times New Roman" panose="02020603050405020304" pitchFamily="18" charset="0"/>
+              </a:rPr>
+              <a:t>χει πρόσβαση στις αναφορές που έχει δημιουργήσει ο ίδιος, καθώς και σε κάθε άλλη αναφορά ώστε να επισημάνει την σοβαρότητα της επιδιόρθωσης της βλάβης, αν το επιθυμεί.</a:t>
+            </a:r>
+          </a:p>
+          <a:p>
+            <a:r>
+              <a:rPr lang="el-GR" sz="1800" dirty="0">
+                <a:effectLst/>
+                <a:latin typeface="Calibri" panose="020F0502020204030204" pitchFamily="34" charset="0"/>
+                <a:ea typeface="Calibri" panose="020F0502020204030204" pitchFamily="34" charset="0"/>
+                <a:cs typeface="Times New Roman" panose="02020603050405020304" pitchFamily="18" charset="0"/>
+              </a:rPr>
+              <a:t>Ο διαχειριστής</a:t>
+            </a:r>
+            <a:r>
+              <a:rPr lang="en-GB" sz="1800" dirty="0">
+                <a:effectLst/>
+                <a:latin typeface="Calibri" panose="020F0502020204030204" pitchFamily="34" charset="0"/>
+                <a:ea typeface="Calibri" panose="020F0502020204030204" pitchFamily="34" charset="0"/>
+                <a:cs typeface="Times New Roman" panose="02020603050405020304" pitchFamily="18" charset="0"/>
+              </a:rPr>
+              <a:t> </a:t>
+            </a:r>
+            <a:r>
+              <a:rPr lang="el-GR" sz="1800" dirty="0">
+                <a:effectLst/>
+                <a:latin typeface="Calibri" panose="020F0502020204030204" pitchFamily="34" charset="0"/>
+                <a:ea typeface="Calibri" panose="020F0502020204030204" pitchFamily="34" charset="0"/>
+                <a:cs typeface="Times New Roman" panose="02020603050405020304" pitchFamily="18" charset="0"/>
+              </a:rPr>
+              <a:t>ενημερώνεται, μέσω ενός </a:t>
+            </a:r>
+            <a:r>
+              <a:rPr lang="en-GB" sz="1800" dirty="0">
+                <a:effectLst/>
+                <a:latin typeface="Calibri" panose="020F0502020204030204" pitchFamily="34" charset="0"/>
+                <a:ea typeface="Calibri" panose="020F0502020204030204" pitchFamily="34" charset="0"/>
+                <a:cs typeface="Times New Roman" panose="02020603050405020304" pitchFamily="18" charset="0"/>
+              </a:rPr>
+              <a:t>notification system</a:t>
+            </a:r>
+            <a:r>
+              <a:rPr lang="el-GR" sz="1800" dirty="0">
+                <a:effectLst/>
+                <a:latin typeface="Calibri" panose="020F0502020204030204" pitchFamily="34" charset="0"/>
+                <a:ea typeface="Calibri" panose="020F0502020204030204" pitchFamily="34" charset="0"/>
+                <a:cs typeface="Times New Roman" panose="02020603050405020304" pitchFamily="18" charset="0"/>
+              </a:rPr>
+              <a:t>, για την κάθε καινούρια αναφορά βλάβης.</a:t>
+            </a:r>
+          </a:p>
+          <a:p>
+            <a:r>
+              <a:rPr lang="el-GR" sz="1800" dirty="0">
+                <a:effectLst/>
+                <a:latin typeface="Calibri" panose="020F0502020204030204" pitchFamily="34" charset="0"/>
+                <a:ea typeface="Calibri" panose="020F0502020204030204" pitchFamily="34" charset="0"/>
+                <a:cs typeface="Times New Roman" panose="02020603050405020304" pitchFamily="18" charset="0"/>
+              </a:rPr>
+              <a:t>Είναι ικανός να επιβλέψει κάθε υποβληθείσα βλάβη, να ανανεώσει την κατάστασή της και να παρακολουθήσει τα στατιστικά της ιστοσελίδας.</a:t>
+            </a:r>
+            <a:endParaRPr lang="en-US" sz="2000" dirty="0"/>
+          </a:p>
+        </p:txBody>
+      </p:sp>
+      <p:pic>
+        <p:nvPicPr>
+          <p:cNvPr id="7" name="Content Placeholder 6">
+            <a:extLst>
+              <a:ext uri="{FF2B5EF4-FFF2-40B4-BE49-F238E27FC236}">
+                <a16:creationId xmlns:a16="http://schemas.microsoft.com/office/drawing/2014/main" id="{5CF41C35-9220-C51E-F73C-544F47E07CF3}"/>
+              </a:ext>
+            </a:extLst>
+          </p:cNvPr>
+          <p:cNvPicPr>
+            <a:picLocks noChangeAspect="1"/>
+          </p:cNvPicPr>
+          <p:nvPr/>
+        </p:nvPicPr>
+        <p:blipFill>
+          <a:blip r:embed="rId3"/>
+          <a:stretch>
+            <a:fillRect/>
+          </a:stretch>
+        </p:blipFill>
+        <p:spPr>
+          <a:xfrm>
+            <a:off x="6580633" y="2566219"/>
+            <a:ext cx="4931045" cy="3538553"/>
+          </a:xfrm>
+          <a:prstGeom prst="rect">
+            <a:avLst/>
+          </a:prstGeom>
+          <a:ln>
+            <a:noFill/>
+          </a:ln>
+          <a:effectLst>
+            <a:outerShdw blurRad="76200" dist="63500" dir="5040000" algn="tl" rotWithShape="0">
+              <a:srgbClr val="000000">
+                <a:alpha val="41000"/>
+              </a:srgbClr>
+            </a:outerShdw>
+          </a:effectLst>
+        </p:spPr>
+      </p:pic>
+    </p:spTree>
+    <p:extLst>
+      <p:ext uri="{BB962C8B-B14F-4D97-AF65-F5344CB8AC3E}">
+        <p14:creationId xmlns:p14="http://schemas.microsoft.com/office/powerpoint/2010/main" val="586464050"/>
       </p:ext>
     </p:extLst>
   </p:cSld>
